--- a/VAE/machine_learning2_Variational_AutoEncoder.pptx
+++ b/VAE/machine_learning2_Variational_AutoEncoder.pptx
@@ -307,7 +307,7 @@
           <a:p>
             <a:fld id="{73C1EBE5-4DD3-4B56-983C-8EFA38C3D637}" type="datetimeFigureOut">
               <a:rPr lang="ko-KR" altLang="en-US" smtClean="0"/>
-              <a:t>2022. 11. 8.</a:t>
+              <a:t>2022. 11. 15.</a:t>
             </a:fld>
             <a:endParaRPr lang="ko-KR" altLang="en-US"/>
           </a:p>
@@ -472,7 +472,7 @@
           <a:p>
             <a:fld id="{DDA22FFE-EF83-4D3C-9981-B773B888086B}" type="datetimeFigureOut">
               <a:rPr lang="ko-KR" altLang="en-US" smtClean="0"/>
-              <a:t>2022. 11. 8.</a:t>
+              <a:t>2022. 11. 15.</a:t>
             </a:fld>
             <a:endParaRPr lang="ko-KR" altLang="en-US"/>
           </a:p>
@@ -801,8 +801,11 @@
             </a:r>
             <a:r>
               <a:rPr lang="en-US" altLang="ko-KR" dirty="0"/>
-              <a:t> Lab.</a:t>
-            </a:r>
+              <a:t> Lab. </a:t>
+            </a:r>
+          </a:p>
+          <a:p>
+            <a:endParaRPr lang="en-US" altLang="ko-KR" dirty="0"/>
           </a:p>
           <a:p>
             <a:endParaRPr lang="en-US" altLang="ko-KR" dirty="0"/>
@@ -9369,7 +9372,7 @@
           <a:p>
             <a:fld id="{9FCEAC77-7F99-4762-96D5-BDBADC3078A5}" type="datetime1">
               <a:rPr lang="ko-KR" altLang="en-US" smtClean="0"/>
-              <a:t>2022. 11. 8.</a:t>
+              <a:t>2022. 11. 15.</a:t>
             </a:fld>
             <a:endParaRPr lang="ko-KR" altLang="en-US"/>
           </a:p>
@@ -9630,7 +9633,7 @@
           <a:p>
             <a:fld id="{95CB5D2F-94BF-4932-9272-97B0FFE4CDE8}" type="datetime1">
               <a:rPr lang="ko-KR" altLang="en-US" smtClean="0"/>
-              <a:t>2022. 11. 8.</a:t>
+              <a:t>2022. 11. 15.</a:t>
             </a:fld>
             <a:endParaRPr lang="ko-KR" altLang="en-US"/>
           </a:p>
@@ -10756,7 +10759,7 @@
           <a:p>
             <a:fld id="{FA122968-CECA-41A2-B296-4137398F7B5C}" type="datetime1">
               <a:rPr lang="ko-KR" altLang="en-US" smtClean="0"/>
-              <a:t>2022. 11. 8.</a:t>
+              <a:t>2022. 11. 15.</a:t>
             </a:fld>
             <a:endParaRPr lang="ko-KR" altLang="en-US"/>
           </a:p>
@@ -12482,8 +12485,8 @@
           </a:prstGeom>
         </p:spPr>
       </p:pic>
-      <mc:AlternateContent xmlns:mc="http://schemas.openxmlformats.org/markup-compatibility/2006">
-        <mc:Choice xmlns:a14="http://schemas.microsoft.com/office/drawing/2010/main" Requires="a14">
+      <mc:AlternateContent xmlns:mc="http://schemas.openxmlformats.org/markup-compatibility/2006" xmlns:a14="http://schemas.microsoft.com/office/drawing/2010/main">
+        <mc:Choice Requires="a14">
           <p:sp>
             <p:nvSpPr>
               <p:cNvPr id="6" name="TextBox 5">
@@ -12512,6 +12515,7 @@
               </a:bodyPr>
               <a:lstStyle/>
               <a:p>
+                <a:pPr/>
                 <a14:m>
                   <m:oMathPara xmlns:m="http://schemas.openxmlformats.org/officeDocument/2006/math">
                     <m:oMathParaPr>
@@ -12640,6 +12644,7 @@
                 </a:endParaRPr>
               </a:p>
               <a:p>
+                <a:pPr/>
                 <a14:m>
                   <m:oMathPara xmlns:m="http://schemas.openxmlformats.org/officeDocument/2006/math">
                     <m:oMathParaPr>
@@ -12761,6 +12766,7 @@
                 </a:endParaRPr>
               </a:p>
               <a:p>
+                <a:pPr/>
                 <a14:m>
                   <m:oMathPara xmlns:m="http://schemas.openxmlformats.org/officeDocument/2006/math">
                     <m:oMathParaPr>
@@ -12882,6 +12888,7 @@
                 </a:endParaRPr>
               </a:p>
               <a:p>
+                <a:pPr/>
                 <a14:m>
                   <m:oMathPara xmlns:m="http://schemas.openxmlformats.org/officeDocument/2006/math">
                     <m:oMathParaPr>
@@ -13042,7 +13049,7 @@
             </p:txBody>
           </p:sp>
         </mc:Choice>
-        <mc:Fallback>
+        <mc:Fallback xmlns="">
           <p:sp>
             <p:nvSpPr>
               <p:cNvPr id="6" name="TextBox 5">
@@ -13189,8 +13196,8 @@
           </a:p>
         </p:txBody>
       </p:sp>
-      <mc:AlternateContent xmlns:mc="http://schemas.openxmlformats.org/markup-compatibility/2006">
-        <mc:Choice xmlns:a14="http://schemas.microsoft.com/office/drawing/2010/main" Requires="a14">
+      <mc:AlternateContent xmlns:mc="http://schemas.openxmlformats.org/markup-compatibility/2006" xmlns:a14="http://schemas.microsoft.com/office/drawing/2010/main">
+        <mc:Choice Requires="a14">
           <p:sp>
             <p:nvSpPr>
               <p:cNvPr id="3" name="내용 개체 틀 2">
@@ -13544,7 +13551,7 @@
             </p:txBody>
           </p:sp>
         </mc:Choice>
-        <mc:Fallback>
+        <mc:Fallback xmlns="">
           <p:sp>
             <p:nvSpPr>
               <p:cNvPr id="3" name="내용 개체 틀 2">
@@ -13766,8 +13773,8 @@
           </a:fontRef>
         </p:style>
       </p:cxnSp>
-      <mc:AlternateContent xmlns:mc="http://schemas.openxmlformats.org/markup-compatibility/2006">
-        <mc:Choice xmlns:a14="http://schemas.microsoft.com/office/drawing/2010/main" Requires="a14">
+      <mc:AlternateContent xmlns:mc="http://schemas.openxmlformats.org/markup-compatibility/2006" xmlns:a14="http://schemas.microsoft.com/office/drawing/2010/main">
+        <mc:Choice Requires="a14">
           <p:sp>
             <p:nvSpPr>
               <p:cNvPr id="6" name="TextBox 5">
@@ -13849,7 +13856,7 @@
             </p:txBody>
           </p:sp>
         </mc:Choice>
-        <mc:Fallback>
+        <mc:Fallback xmlns="">
           <p:sp>
             <p:nvSpPr>
               <p:cNvPr id="6" name="TextBox 5">
@@ -14124,8 +14131,8 @@
           </a:p>
         </p:txBody>
       </p:sp>
-      <mc:AlternateContent xmlns:mc="http://schemas.openxmlformats.org/markup-compatibility/2006">
-        <mc:Choice xmlns:a14="http://schemas.microsoft.com/office/drawing/2010/main" Requires="a14">
+      <mc:AlternateContent xmlns:mc="http://schemas.openxmlformats.org/markup-compatibility/2006" xmlns:a14="http://schemas.microsoft.com/office/drawing/2010/main">
+        <mc:Choice Requires="a14">
           <p:sp>
             <p:nvSpPr>
               <p:cNvPr id="3" name="내용 개체 틀 2">
@@ -14411,7 +14418,7 @@
             </p:txBody>
           </p:sp>
         </mc:Choice>
-        <mc:Fallback>
+        <mc:Fallback xmlns="">
           <p:sp>
             <p:nvSpPr>
               <p:cNvPr id="3" name="내용 개체 틀 2">
@@ -14542,8 +14549,8 @@
           </a:fontRef>
         </p:style>
       </p:cxnSp>
-      <mc:AlternateContent xmlns:mc="http://schemas.openxmlformats.org/markup-compatibility/2006">
-        <mc:Choice xmlns:a14="http://schemas.microsoft.com/office/drawing/2010/main" Requires="a14">
+      <mc:AlternateContent xmlns:mc="http://schemas.openxmlformats.org/markup-compatibility/2006" xmlns:a14="http://schemas.microsoft.com/office/drawing/2010/main">
+        <mc:Choice Requires="a14">
           <p:sp>
             <p:nvSpPr>
               <p:cNvPr id="5" name="TextBox 4">
@@ -14572,6 +14579,7 @@
               </a:bodyPr>
               <a:lstStyle/>
               <a:p>
+                <a:pPr/>
                 <a14:m>
                   <m:oMathPara xmlns:m="http://schemas.openxmlformats.org/officeDocument/2006/math">
                     <m:oMathParaPr>
@@ -14978,7 +14986,7 @@
             </p:txBody>
           </p:sp>
         </mc:Choice>
-        <mc:Fallback>
+        <mc:Fallback xmlns="">
           <p:sp>
             <p:nvSpPr>
               <p:cNvPr id="5" name="TextBox 4">
@@ -15086,8 +15094,8 @@
           </a:p>
         </p:txBody>
       </p:sp>
-      <mc:AlternateContent xmlns:mc="http://schemas.openxmlformats.org/markup-compatibility/2006">
-        <mc:Choice xmlns:a14="http://schemas.microsoft.com/office/drawing/2010/main" Requires="a14">
+      <mc:AlternateContent xmlns:mc="http://schemas.openxmlformats.org/markup-compatibility/2006" xmlns:a14="http://schemas.microsoft.com/office/drawing/2010/main">
+        <mc:Choice Requires="a14">
           <p:sp>
             <p:nvSpPr>
               <p:cNvPr id="3" name="내용 개체 틀 2">
@@ -15607,7 +15615,7 @@
             </p:txBody>
           </p:sp>
         </mc:Choice>
-        <mc:Fallback>
+        <mc:Fallback xmlns="">
           <p:sp>
             <p:nvSpPr>
               <p:cNvPr id="3" name="내용 개체 틀 2">
@@ -16195,8 +16203,8 @@
           </a:p>
         </p:txBody>
       </p:sp>
-      <mc:AlternateContent xmlns:mc="http://schemas.openxmlformats.org/markup-compatibility/2006">
-        <mc:Choice xmlns:a14="http://schemas.microsoft.com/office/drawing/2010/main" Requires="a14">
+      <mc:AlternateContent xmlns:mc="http://schemas.openxmlformats.org/markup-compatibility/2006" xmlns:a14="http://schemas.microsoft.com/office/drawing/2010/main">
+        <mc:Choice Requires="a14">
           <p:sp>
             <p:nvSpPr>
               <p:cNvPr id="3" name="내용 개체 틀 2">
@@ -16990,7 +16998,7 @@
             </p:txBody>
           </p:sp>
         </mc:Choice>
-        <mc:Fallback>
+        <mc:Fallback xmlns="">
           <p:sp>
             <p:nvSpPr>
               <p:cNvPr id="3" name="내용 개체 틀 2">
@@ -17236,8 +17244,8 @@
           </a:p>
         </p:txBody>
       </p:sp>
-      <mc:AlternateContent xmlns:mc="http://schemas.openxmlformats.org/markup-compatibility/2006">
-        <mc:Choice xmlns:a14="http://schemas.microsoft.com/office/drawing/2010/main" Requires="a14">
+      <mc:AlternateContent xmlns:mc="http://schemas.openxmlformats.org/markup-compatibility/2006" xmlns:a14="http://schemas.microsoft.com/office/drawing/2010/main">
+        <mc:Choice Requires="a14">
           <p:sp>
             <p:nvSpPr>
               <p:cNvPr id="3" name="내용 개체 틀 2">
@@ -18447,7 +18455,7 @@
             </p:txBody>
           </p:sp>
         </mc:Choice>
-        <mc:Fallback>
+        <mc:Fallback xmlns="">
           <p:sp>
             <p:nvSpPr>
               <p:cNvPr id="3" name="내용 개체 틀 2">
@@ -18597,8 +18605,8 @@
           </a:p>
         </p:txBody>
       </p:sp>
-      <mc:AlternateContent xmlns:mc="http://schemas.openxmlformats.org/markup-compatibility/2006">
-        <mc:Choice xmlns:a14="http://schemas.microsoft.com/office/drawing/2010/main" Requires="a14">
+      <mc:AlternateContent xmlns:mc="http://schemas.openxmlformats.org/markup-compatibility/2006" xmlns:a14="http://schemas.microsoft.com/office/drawing/2010/main">
+        <mc:Choice Requires="a14">
           <p:sp>
             <p:nvSpPr>
               <p:cNvPr id="3" name="내용 개체 틀 2">
@@ -20141,7 +20149,7 @@
             </p:txBody>
           </p:sp>
         </mc:Choice>
-        <mc:Fallback>
+        <mc:Fallback xmlns="">
           <p:sp>
             <p:nvSpPr>
               <p:cNvPr id="3" name="내용 개체 틀 2">
@@ -20291,8 +20299,8 @@
           </a:p>
         </p:txBody>
       </p:sp>
-      <mc:AlternateContent xmlns:mc="http://schemas.openxmlformats.org/markup-compatibility/2006">
-        <mc:Choice xmlns:a14="http://schemas.microsoft.com/office/drawing/2010/main" Requires="a14">
+      <mc:AlternateContent xmlns:mc="http://schemas.openxmlformats.org/markup-compatibility/2006" xmlns:a14="http://schemas.microsoft.com/office/drawing/2010/main">
+        <mc:Choice Requires="a14">
           <p:sp>
             <p:nvSpPr>
               <p:cNvPr id="3" name="내용 개체 틀 2">
@@ -21801,7 +21809,7 @@
             </p:txBody>
           </p:sp>
         </mc:Choice>
-        <mc:Fallback>
+        <mc:Fallback xmlns="">
           <p:sp>
             <p:nvSpPr>
               <p:cNvPr id="3" name="내용 개체 틀 2">
@@ -22183,8 +22191,8 @@
           </a:p>
         </p:txBody>
       </p:sp>
-      <mc:AlternateContent xmlns:mc="http://schemas.openxmlformats.org/markup-compatibility/2006">
-        <mc:Choice xmlns:a14="http://schemas.microsoft.com/office/drawing/2010/main" Requires="a14">
+      <mc:AlternateContent xmlns:mc="http://schemas.openxmlformats.org/markup-compatibility/2006" xmlns:a14="http://schemas.microsoft.com/office/drawing/2010/main">
+        <mc:Choice Requires="a14">
           <p:sp>
             <p:nvSpPr>
               <p:cNvPr id="3" name="내용 개체 틀 2">
@@ -23693,7 +23701,7 @@
             </p:txBody>
           </p:sp>
         </mc:Choice>
-        <mc:Fallback>
+        <mc:Fallback xmlns="">
           <p:sp>
             <p:nvSpPr>
               <p:cNvPr id="3" name="내용 개체 틀 2">
@@ -24080,8 +24088,8 @@
           </a:p>
         </p:txBody>
       </p:sp>
-      <mc:AlternateContent xmlns:mc="http://schemas.openxmlformats.org/markup-compatibility/2006">
-        <mc:Choice xmlns:a14="http://schemas.microsoft.com/office/drawing/2010/main" Requires="a14">
+      <mc:AlternateContent xmlns:mc="http://schemas.openxmlformats.org/markup-compatibility/2006" xmlns:a14="http://schemas.microsoft.com/office/drawing/2010/main">
+        <mc:Choice Requires="a14">
           <p:sp>
             <p:nvSpPr>
               <p:cNvPr id="3" name="내용 개체 틀 2">
@@ -25590,7 +25598,7 @@
             </p:txBody>
           </p:sp>
         </mc:Choice>
-        <mc:Fallback>
+        <mc:Fallback xmlns="">
           <p:sp>
             <p:nvSpPr>
               <p:cNvPr id="3" name="내용 개체 틀 2">
@@ -25929,8 +25937,8 @@
           </a:p>
         </p:txBody>
       </p:sp>
-      <mc:AlternateContent xmlns:mc="http://schemas.openxmlformats.org/markup-compatibility/2006">
-        <mc:Choice xmlns:a14="http://schemas.microsoft.com/office/drawing/2010/main" Requires="a14">
+      <mc:AlternateContent xmlns:mc="http://schemas.openxmlformats.org/markup-compatibility/2006" xmlns:a14="http://schemas.microsoft.com/office/drawing/2010/main">
+        <mc:Choice Requires="a14">
           <p:sp>
             <p:nvSpPr>
               <p:cNvPr id="3" name="내용 개체 틀 2">
@@ -27439,7 +27447,7 @@
             </p:txBody>
           </p:sp>
         </mc:Choice>
-        <mc:Fallback>
+        <mc:Fallback xmlns="">
           <p:sp>
             <p:nvSpPr>
               <p:cNvPr id="3" name="내용 개체 틀 2">
@@ -27633,8 +27641,8 @@
           </a:p>
         </p:txBody>
       </p:sp>
-      <mc:AlternateContent xmlns:mc="http://schemas.openxmlformats.org/markup-compatibility/2006">
-        <mc:Choice xmlns:a14="http://schemas.microsoft.com/office/drawing/2010/main" Requires="a14">
+      <mc:AlternateContent xmlns:mc="http://schemas.openxmlformats.org/markup-compatibility/2006" xmlns:a14="http://schemas.microsoft.com/office/drawing/2010/main">
+        <mc:Choice Requires="a14">
           <p:sp>
             <p:nvSpPr>
               <p:cNvPr id="3" name="내용 개체 틀 2">
@@ -29520,7 +29528,7 @@
             </p:txBody>
           </p:sp>
         </mc:Choice>
-        <mc:Fallback>
+        <mc:Fallback xmlns="">
           <p:sp>
             <p:nvSpPr>
               <p:cNvPr id="3" name="내용 개체 틀 2">
@@ -34260,8 +34268,8 @@
           </a:p>
         </p:txBody>
       </p:sp>
-      <mc:AlternateContent xmlns:mc="http://schemas.openxmlformats.org/markup-compatibility/2006">
-        <mc:Choice xmlns:a14="http://schemas.microsoft.com/office/drawing/2010/main" Requires="a14">
+      <mc:AlternateContent xmlns:mc="http://schemas.openxmlformats.org/markup-compatibility/2006" xmlns:a14="http://schemas.microsoft.com/office/drawing/2010/main">
+        <mc:Choice Requires="a14">
           <p:sp>
             <p:nvSpPr>
               <p:cNvPr id="6" name="직사각형 5">
@@ -34324,7 +34332,7 @@
             </p:txBody>
           </p:sp>
         </mc:Choice>
-        <mc:Fallback>
+        <mc:Fallback xmlns="">
           <p:sp>
             <p:nvSpPr>
               <p:cNvPr id="6" name="직사각형 5">
@@ -34410,8 +34418,8 @@
           </a:fontRef>
         </p:style>
       </p:cxnSp>
-      <mc:AlternateContent xmlns:mc="http://schemas.openxmlformats.org/markup-compatibility/2006">
-        <mc:Choice xmlns:a14="http://schemas.microsoft.com/office/drawing/2010/main" Requires="a14">
+      <mc:AlternateContent xmlns:mc="http://schemas.openxmlformats.org/markup-compatibility/2006" xmlns:a14="http://schemas.microsoft.com/office/drawing/2010/main">
+        <mc:Choice Requires="a14">
           <p:sp>
             <p:nvSpPr>
               <p:cNvPr id="8" name="TextBox 7">
@@ -34467,7 +34475,7 @@
             </p:txBody>
           </p:sp>
         </mc:Choice>
-        <mc:Fallback>
+        <mc:Fallback xmlns="">
           <p:sp>
             <p:nvSpPr>
               <p:cNvPr id="8" name="TextBox 7">
@@ -34512,8 +34520,8 @@
           </p:sp>
         </mc:Fallback>
       </mc:AlternateContent>
-      <mc:AlternateContent xmlns:mc="http://schemas.openxmlformats.org/markup-compatibility/2006">
-        <mc:Choice xmlns:a14="http://schemas.microsoft.com/office/drawing/2010/main" Requires="a14">
+      <mc:AlternateContent xmlns:mc="http://schemas.openxmlformats.org/markup-compatibility/2006" xmlns:a14="http://schemas.microsoft.com/office/drawing/2010/main">
+        <mc:Choice Requires="a14">
           <p:sp>
             <p:nvSpPr>
               <p:cNvPr id="9" name="TextBox 8">
@@ -34571,7 +34579,7 @@
             </p:txBody>
           </p:sp>
         </mc:Choice>
-        <mc:Fallback>
+        <mc:Fallback xmlns="">
           <p:sp>
             <p:nvSpPr>
               <p:cNvPr id="9" name="TextBox 8">
@@ -34816,8 +34824,8 @@
           </a:fontRef>
         </p:style>
       </p:cxnSp>
-      <mc:AlternateContent xmlns:mc="http://schemas.openxmlformats.org/markup-compatibility/2006">
-        <mc:Choice xmlns:a14="http://schemas.microsoft.com/office/drawing/2010/main" Requires="a14">
+      <mc:AlternateContent xmlns:mc="http://schemas.openxmlformats.org/markup-compatibility/2006" xmlns:a14="http://schemas.microsoft.com/office/drawing/2010/main">
+        <mc:Choice Requires="a14">
           <p:sp>
             <p:nvSpPr>
               <p:cNvPr id="15" name="TextBox 14">
@@ -34867,7 +34875,7 @@
             </p:txBody>
           </p:sp>
         </mc:Choice>
-        <mc:Fallback>
+        <mc:Fallback xmlns="">
           <p:sp>
             <p:nvSpPr>
               <p:cNvPr id="15" name="TextBox 14">
@@ -35007,8 +35015,8 @@
           </a:p>
         </p:txBody>
       </p:sp>
-      <mc:AlternateContent xmlns:mc="http://schemas.openxmlformats.org/markup-compatibility/2006">
-        <mc:Choice xmlns:a14="http://schemas.microsoft.com/office/drawing/2010/main" Requires="a14">
+      <mc:AlternateContent xmlns:mc="http://schemas.openxmlformats.org/markup-compatibility/2006" xmlns:a14="http://schemas.microsoft.com/office/drawing/2010/main">
+        <mc:Choice Requires="a14">
           <p:sp>
             <p:nvSpPr>
               <p:cNvPr id="19" name="TextBox 18">
@@ -35062,7 +35070,7 @@
             </p:txBody>
           </p:sp>
         </mc:Choice>
-        <mc:Fallback>
+        <mc:Fallback xmlns="">
           <p:sp>
             <p:nvSpPr>
               <p:cNvPr id="19" name="TextBox 18">
@@ -35107,8 +35115,8 @@
           </p:sp>
         </mc:Fallback>
       </mc:AlternateContent>
-      <mc:AlternateContent xmlns:mc="http://schemas.openxmlformats.org/markup-compatibility/2006">
-        <mc:Choice xmlns:a14="http://schemas.microsoft.com/office/drawing/2010/main" Requires="a14">
+      <mc:AlternateContent xmlns:mc="http://schemas.openxmlformats.org/markup-compatibility/2006" xmlns:a14="http://schemas.microsoft.com/office/drawing/2010/main">
+        <mc:Choice Requires="a14">
           <p:sp>
             <p:nvSpPr>
               <p:cNvPr id="23" name="TextBox 22">
@@ -35137,6 +35145,7 @@
               </a:bodyPr>
               <a:lstStyle/>
               <a:p>
+                <a:pPr/>
                 <a14:m>
                   <m:oMathPara xmlns:m="http://schemas.openxmlformats.org/officeDocument/2006/math">
                     <m:oMathParaPr>
@@ -35158,7 +35167,7 @@
             </p:txBody>
           </p:sp>
         </mc:Choice>
-        <mc:Fallback>
+        <mc:Fallback xmlns="">
           <p:sp>
             <p:nvSpPr>
               <p:cNvPr id="23" name="TextBox 22">
@@ -35285,8 +35294,8 @@
           </a:fontRef>
         </p:style>
       </p:cxnSp>
-      <mc:AlternateContent xmlns:mc="http://schemas.openxmlformats.org/markup-compatibility/2006">
-        <mc:Choice xmlns:a14="http://schemas.microsoft.com/office/drawing/2010/main" Requires="a14">
+      <mc:AlternateContent xmlns:mc="http://schemas.openxmlformats.org/markup-compatibility/2006" xmlns:a14="http://schemas.microsoft.com/office/drawing/2010/main">
+        <mc:Choice Requires="a14">
           <p:sp>
             <p:nvSpPr>
               <p:cNvPr id="35" name="TextBox 34">
@@ -35315,6 +35324,7 @@
               </a:bodyPr>
               <a:lstStyle/>
               <a:p>
+                <a:pPr/>
                 <a14:m>
                   <m:oMathPara xmlns:m="http://schemas.openxmlformats.org/officeDocument/2006/math">
                     <m:oMathParaPr>
@@ -35335,7 +35345,7 @@
             </p:txBody>
           </p:sp>
         </mc:Choice>
-        <mc:Fallback>
+        <mc:Fallback xmlns="">
           <p:sp>
             <p:nvSpPr>
               <p:cNvPr id="35" name="TextBox 34">
@@ -35551,8 +35561,8 @@
           </a:fontRef>
         </p:style>
       </p:cxnSp>
-      <mc:AlternateContent xmlns:mc="http://schemas.openxmlformats.org/markup-compatibility/2006">
-        <mc:Choice xmlns:a14="http://schemas.microsoft.com/office/drawing/2010/main" Requires="a14">
+      <mc:AlternateContent xmlns:mc="http://schemas.openxmlformats.org/markup-compatibility/2006" xmlns:a14="http://schemas.microsoft.com/office/drawing/2010/main">
+        <mc:Choice Requires="a14">
           <p:sp>
             <p:nvSpPr>
               <p:cNvPr id="45" name="TextBox 44">
@@ -35581,6 +35591,7 @@
               </a:bodyPr>
               <a:lstStyle/>
               <a:p>
+                <a:pPr/>
                 <a14:m>
                   <m:oMathPara xmlns:m="http://schemas.openxmlformats.org/officeDocument/2006/math">
                     <m:oMathParaPr>
@@ -35830,6 +35841,7 @@
                 </a:endParaRPr>
               </a:p>
               <a:p>
+                <a:pPr/>
                 <a14:m>
                   <m:oMathPara xmlns:m="http://schemas.openxmlformats.org/officeDocument/2006/math">
                     <m:oMathParaPr>
@@ -35920,6 +35932,7 @@
                 </a:endParaRPr>
               </a:p>
               <a:p>
+                <a:pPr/>
                 <a14:m>
                   <m:oMathPara xmlns:m="http://schemas.openxmlformats.org/officeDocument/2006/math">
                     <m:oMathParaPr>
@@ -36001,7 +36014,7 @@
             </p:txBody>
           </p:sp>
         </mc:Choice>
-        <mc:Fallback>
+        <mc:Fallback xmlns="">
           <p:sp>
             <p:nvSpPr>
               <p:cNvPr id="45" name="TextBox 44">
